--- a/The16BitsWord-NetworkTips.pptx
+++ b/The16BitsWord-NetworkTips.pptx
@@ -463,6 +463,90 @@
     </a:lvl9pPr>
   </p:notesStyle>
 </p:notesMaster>
+</file>
+
+<file path=ppt/notesSlides/notesSlide1.xml><?xml version="1.0" encoding="utf-8"?>
+<p:notes xmlns:a="http://schemas.openxmlformats.org/drawingml/2006/main" xmlns:r="http://schemas.openxmlformats.org/officeDocument/2006/relationships" xmlns:p="http://schemas.openxmlformats.org/presentationml/2006/main">
+  <p:cSld>
+    <p:spTree>
+      <p:nvGrpSpPr>
+        <p:cNvPr id="1" name=""/>
+        <p:cNvGrpSpPr/>
+        <p:nvPr/>
+      </p:nvGrpSpPr>
+      <p:grpSpPr>
+        <a:xfrm>
+          <a:off x="0" y="0"/>
+          <a:ext cx="0" cy="0"/>
+          <a:chOff x="0" y="0"/>
+          <a:chExt cx="0" cy="0"/>
+        </a:xfrm>
+      </p:grpSpPr>
+      <p:sp>
+        <p:nvSpPr>
+          <p:cNvPr id="2" name="Slide Image Placeholder 1"/>
+          <p:cNvSpPr>
+            <a:spLocks noGrp="1" noRot="1" noChangeAspect="1"/>
+          </p:cNvSpPr>
+          <p:nvPr>
+            <p:ph type="sldImg"/>
+          </p:nvPr>
+        </p:nvSpPr>
+        <p:spPr/>
+      </p:sp>
+      <p:sp>
+        <p:nvSpPr>
+          <p:cNvPr id="3" name="Notes Placeholder 2"/>
+          <p:cNvSpPr>
+            <a:spLocks noGrp="1"/>
+          </p:cNvSpPr>
+          <p:nvPr>
+            <p:ph type="body" idx="1"/>
+          </p:nvPr>
+        </p:nvSpPr>
+        <p:spPr/>
+        <p:txBody>
+          <a:bodyPr/>
+          <a:lstStyle/>
+          <a:p>
+            <a:endParaRPr lang="en-US" dirty="0"/>
+          </a:p>
+        </p:txBody>
+      </p:sp>
+      <p:sp>
+        <p:nvSpPr>
+          <p:cNvPr id="4" name="Slide Number Placeholder 3"/>
+          <p:cNvSpPr>
+            <a:spLocks noGrp="1"/>
+          </p:cNvSpPr>
+          <p:nvPr>
+            <p:ph type="sldNum" sz="quarter" idx="5"/>
+          </p:nvPr>
+        </p:nvSpPr>
+        <p:spPr/>
+        <p:txBody>
+          <a:bodyPr/>
+          <a:lstStyle/>
+          <a:p>
+            <a:fld id="{46F75F46-EBD4-9640-88D1-C47944C4D0AC}" type="slidenum">
+              <a:rPr lang="en-US" smtClean="0"/>
+              <a:t>1</a:t>
+            </a:fld>
+            <a:endParaRPr lang="en-US"/>
+          </a:p>
+        </p:txBody>
+      </p:sp>
+    </p:spTree>
+    <p:extLst>
+      <p:ext uri="{BB962C8B-B14F-4D97-AF65-F5344CB8AC3E}">
+        <p14:creationId xmlns:p14="http://schemas.microsoft.com/office/powerpoint/2010/main" val="973514167"/>
+      </p:ext>
+    </p:extLst>
+  </p:cSld>
+  <p:clrMapOvr>
+    <a:masterClrMapping/>
+  </p:clrMapOvr>
+</p:notes>
 </file>
 
 <file path=ppt/slideLayouts/slideLayout1.xml><?xml version="1.0" encoding="utf-8"?>
@@ -4729,7 +4813,7 @@
         </p:nvSpPr>
         <p:spPr>
           <a:xfrm>
-            <a:off x="8860693" y="6246419"/>
+            <a:off x="8529770" y="5810219"/>
             <a:ext cx="1486304" cy="276999"/>
           </a:xfrm>
           <a:prstGeom prst="rect">
@@ -4770,7 +4854,7 @@
         </p:nvSpPr>
         <p:spPr>
           <a:xfrm>
-            <a:off x="4391857" y="6611779"/>
+            <a:off x="9089349" y="6284369"/>
             <a:ext cx="2954655" cy="246221"/>
           </a:xfrm>
           <a:prstGeom prst="rect">
@@ -4786,6 +4870,9 @@
           <a:p>
             <a:r>
               <a:rPr lang="en-US" sz="1000" dirty="0">
+                <a:solidFill>
+                  <a:schemeClr val="bg1"/>
+                </a:solidFill>
                 <a:latin typeface="Courier New" panose="02070309020205020404" pitchFamily="49" charset="0"/>
                 <a:cs typeface="Courier New" panose="02070309020205020404" pitchFamily="49" charset="0"/>
               </a:rPr>
@@ -4886,7 +4973,7 @@
         </p:nvSpPr>
         <p:spPr>
           <a:xfrm>
-            <a:off x="11205752" y="6523185"/>
+            <a:off x="11071952" y="3429000"/>
             <a:ext cx="933782" cy="276999"/>
           </a:xfrm>
           <a:prstGeom prst="rect">
@@ -4909,6 +4996,41 @@
                 </a:solidFill>
               </a:rPr>
               <a:t>techgoals.in</a:t>
+            </a:r>
+          </a:p>
+        </p:txBody>
+      </p:sp>
+      <p:sp>
+        <p:nvSpPr>
+          <p:cNvPr id="2" name="TextBox 1">
+            <a:extLst>
+              <a:ext uri="{FF2B5EF4-FFF2-40B4-BE49-F238E27FC236}">
+                <a16:creationId xmlns:a16="http://schemas.microsoft.com/office/drawing/2014/main" id="{6BB06E89-9BAB-584C-AF0F-717BF3E237B4}"/>
+              </a:ext>
+            </a:extLst>
+          </p:cNvPr>
+          <p:cNvSpPr txBox="1"/>
+          <p:nvPr/>
+        </p:nvSpPr>
+        <p:spPr>
+          <a:xfrm>
+            <a:off x="182426" y="616100"/>
+            <a:ext cx="3769365" cy="369332"/>
+          </a:xfrm>
+          <a:prstGeom prst="rect">
+            <a:avLst/>
+          </a:prstGeom>
+          <a:noFill/>
+        </p:spPr>
+        <p:txBody>
+          <a:bodyPr wrap="none" rtlCol="0">
+            <a:spAutoFit/>
+          </a:bodyPr>
+          <a:lstStyle/>
+          <a:p>
+            <a:r>
+              <a:rPr lang="en-US" b="1" dirty="0"/>
+              <a:t>Virtual Routing &amp; Forwarding in Linux</a:t>
             </a:r>
           </a:p>
         </p:txBody>
